--- a/NuSpace Internship 2022.pptx
+++ b/NuSpace Internship 2022.pptx
@@ -9,6 +9,7 @@
     <p:sldId id="257" r:id="rId3"/>
     <p:sldId id="259" r:id="rId4"/>
     <p:sldId id="258" r:id="rId5"/>
+    <p:sldId id="260" r:id="rId6"/>
   </p:sldIdLst>
   <p:sldSz cx="9144000" cy="6858000" type="screen4x3"/>
   <p:notesSz cx="6858000" cy="9144000"/>
@@ -3661,7 +3662,9 @@
           </a:xfrm>
         </p:spPr>
         <p:txBody>
-          <a:bodyPr/>
+          <a:bodyPr>
+            <a:normAutofit fontScale="90000"/>
+          </a:bodyPr>
           <a:lstStyle/>
           <a:p>
             <a:r>
@@ -3670,7 +3673,26 @@
             </a:r>
             <a:r>
               <a:rPr lang="en-US" dirty="0" smtClean="0"/>
-              <a:t> Internship 2022</a:t>
+              <a:t> Internship </a:t>
+            </a:r>
+            <a:r>
+              <a:rPr lang="en-US" dirty="0" smtClean="0"/>
+              <a:t/>
+            </a:r>
+            <a:br>
+              <a:rPr lang="en-US" dirty="0" smtClean="0"/>
+            </a:br>
+            <a:r>
+              <a:rPr lang="en-US" dirty="0" smtClean="0"/>
+              <a:t>(Feb – </a:t>
+            </a:r>
+            <a:r>
+              <a:rPr lang="en-US" dirty="0" err="1" smtClean="0"/>
+              <a:t>june</a:t>
+            </a:r>
+            <a:r>
+              <a:rPr lang="en-US" dirty="0" smtClean="0"/>
+              <a:t> 2022)</a:t>
             </a:r>
             <a:endParaRPr lang="en-US" dirty="0"/>
           </a:p>
@@ -3704,7 +3726,23 @@
                   <a:schemeClr val="tx1"/>
                 </a:solidFill>
               </a:rPr>
-              <a:t>What did I do?</a:t>
+              <a:t>What </a:t>
+            </a:r>
+            <a:r>
+              <a:rPr lang="en-US" sz="8800" dirty="0" smtClean="0">
+                <a:solidFill>
+                  <a:schemeClr val="tx1"/>
+                </a:solidFill>
+              </a:rPr>
+              <a:t>did </a:t>
+            </a:r>
+            <a:r>
+              <a:rPr lang="en-US" sz="8800" dirty="0" smtClean="0">
+                <a:solidFill>
+                  <a:schemeClr val="tx1"/>
+                </a:solidFill>
+              </a:rPr>
+              <a:t>I do?</a:t>
             </a:r>
             <a:endParaRPr lang="en-US" sz="8800" dirty="0">
               <a:solidFill>
@@ -4742,7 +4780,7 @@
         <p:spPr/>
         <p:txBody>
           <a:bodyPr>
-            <a:normAutofit fontScale="92500" lnSpcReduction="20000"/>
+            <a:normAutofit fontScale="92500" lnSpcReduction="10000"/>
           </a:bodyPr>
           <a:lstStyle/>
           <a:p>
@@ -4776,7 +4814,7 @@
           <a:p>
             <a:r>
               <a:rPr lang="en-US" dirty="0" smtClean="0"/>
-              <a:t>Designed a PCB using </a:t>
+              <a:t>Learned </a:t>
             </a:r>
             <a:r>
               <a:rPr lang="en-US" dirty="0" err="1" smtClean="0"/>
@@ -4784,7 +4822,27 @@
             </a:r>
             <a:r>
               <a:rPr lang="en-US" dirty="0" smtClean="0"/>
-              <a:t> to connect all aforementioned components when ADCs, relays and </a:t>
+              <a:t> and </a:t>
+            </a:r>
+            <a:r>
+              <a:rPr lang="en-US" dirty="0" smtClean="0"/>
+              <a:t>d</a:t>
+            </a:r>
+            <a:r>
+              <a:rPr lang="en-US" dirty="0" smtClean="0"/>
+              <a:t>esigned </a:t>
+            </a:r>
+            <a:r>
+              <a:rPr lang="en-US" dirty="0" smtClean="0"/>
+              <a:t>a </a:t>
+            </a:r>
+            <a:r>
+              <a:rPr lang="en-US" dirty="0" smtClean="0"/>
+              <a:t>PCB to stack ADCs</a:t>
+            </a:r>
+            <a:r>
+              <a:rPr lang="en-US" dirty="0" smtClean="0"/>
+              <a:t>, relays and </a:t>
             </a:r>
             <a:r>
               <a:rPr lang="en-US" dirty="0" err="1" smtClean="0"/>
@@ -4792,19 +4850,45 @@
             </a:r>
             <a:r>
               <a:rPr lang="en-US" dirty="0" smtClean="0"/>
-              <a:t> Mega are stacked onto PCB.</a:t>
-            </a:r>
-          </a:p>
-          <a:p>
+              <a:t> </a:t>
+            </a:r>
             <a:r>
               <a:rPr lang="en-US" dirty="0" smtClean="0"/>
-              <a:t>Picked up soldering.</a:t>
-            </a:r>
+              <a:t>Mega.</a:t>
+            </a:r>
+            <a:endParaRPr lang="en-US" dirty="0" smtClean="0"/>
           </a:p>
           <a:p>
             <a:r>
               <a:rPr lang="en-US" dirty="0" smtClean="0"/>
-              <a:t>Designed a PCB enclosure using SOLIDWORKS which was then 3D printed.</a:t>
+              <a:t>Picked up </a:t>
+            </a:r>
+            <a:r>
+              <a:rPr lang="en-US" dirty="0" smtClean="0"/>
+              <a:t>soldering to make wires and solder pins on PCB.</a:t>
+            </a:r>
+            <a:endParaRPr lang="en-US" dirty="0" smtClean="0"/>
+          </a:p>
+          <a:p>
+            <a:r>
+              <a:rPr lang="en-US" dirty="0" smtClean="0"/>
+              <a:t>Learned SOLIDWORKS </a:t>
+            </a:r>
+            <a:r>
+              <a:rPr lang="en-US" dirty="0" smtClean="0"/>
+              <a:t>and designed </a:t>
+            </a:r>
+            <a:r>
+              <a:rPr lang="en-US" dirty="0" smtClean="0"/>
+              <a:t>a PCB enclosure </a:t>
+            </a:r>
+            <a:r>
+              <a:rPr lang="en-US" dirty="0" smtClean="0"/>
+              <a:t>which </a:t>
+            </a:r>
+            <a:r>
+              <a:rPr lang="en-US" dirty="0" smtClean="0"/>
+              <a:t>was then 3D printed.</a:t>
             </a:r>
           </a:p>
         </p:txBody>
@@ -5189,7 +5273,7 @@
         </p:blipFill>
         <p:spPr bwMode="auto">
           <a:xfrm>
-            <a:off x="6945000" y="457200"/>
+            <a:off x="6945000" y="0"/>
             <a:ext cx="2199000" cy="2080091"/>
           </a:xfrm>
           <a:prstGeom prst="rect">
@@ -5238,21 +5322,41 @@
         </p:nvSpPr>
         <p:spPr/>
         <p:txBody>
-          <a:bodyPr/>
+          <a:bodyPr>
+            <a:normAutofit/>
+          </a:bodyPr>
           <a:lstStyle/>
           <a:p>
             <a:pPr fontAlgn="base"/>
             <a:r>
               <a:rPr lang="en-US" dirty="0" smtClean="0"/>
-              <a:t>Taught a group of 20 17-18 year old students about the basics of Python programming.</a:t>
-            </a:r>
+              <a:t>Taught a group of 20 </a:t>
+            </a:r>
+            <a:r>
+              <a:rPr lang="en-US" dirty="0" smtClean="0"/>
+              <a:t>CJC students about </a:t>
+            </a:r>
+            <a:r>
+              <a:rPr lang="en-US" dirty="0" smtClean="0"/>
+              <a:t>the basics of Python </a:t>
+            </a:r>
+            <a:r>
+              <a:rPr lang="en-US" dirty="0" smtClean="0"/>
+              <a:t>programming</a:t>
+            </a:r>
+            <a:endParaRPr lang="en-US" dirty="0" smtClean="0"/>
           </a:p>
           <a:p>
             <a:pPr fontAlgn="base"/>
             <a:r>
               <a:rPr lang="en-US" dirty="0" smtClean="0"/>
-              <a:t>Participated in the assembly of a class 1 clean room.</a:t>
-            </a:r>
+              <a:t>Participated in the assembly of </a:t>
+            </a:r>
+            <a:r>
+              <a:rPr lang="en-US" dirty="0" smtClean="0"/>
+              <a:t>the clean room</a:t>
+            </a:r>
+            <a:endParaRPr lang="en-US" dirty="0" smtClean="0"/>
           </a:p>
           <a:p>
             <a:pPr fontAlgn="base"/>
@@ -5266,8 +5370,20 @@
             </a:r>
             <a:r>
               <a:rPr lang="en-US" dirty="0" smtClean="0"/>
-              <a:t>-satellite by stripping and crimping wires.</a:t>
-            </a:r>
+              <a:t>-satellite by stripping and crimping </a:t>
+            </a:r>
+            <a:r>
+              <a:rPr lang="en-US" dirty="0" smtClean="0"/>
+              <a:t>wires</a:t>
+            </a:r>
+          </a:p>
+          <a:p>
+            <a:pPr fontAlgn="base"/>
+            <a:r>
+              <a:rPr lang="en-US" dirty="0" smtClean="0"/>
+              <a:t>Learned how to use a logic analyzer</a:t>
+            </a:r>
+            <a:endParaRPr lang="en-US" dirty="0" smtClean="0"/>
           </a:p>
           <a:p>
             <a:endParaRPr lang="en-US" dirty="0"/>
@@ -5807,7 +5923,7 @@
                             </p:stCondLst>
                             <p:childTnLst>
                               <p:par>
-                                <p:cTn id="32" presetID="55" presetClass="entr" presetSubtype="0" fill="hold" nodeType="clickEffect">
+                                <p:cTn id="32" presetID="54" presetClass="entr" presetSubtype="0" accel="100000" fill="hold" grpId="0" nodeType="clickEffect">
                                   <p:stCondLst>
                                     <p:cond delay="0"/>
                                   </p:stCondLst>
@@ -5815,6 +5931,175 @@
                                     <p:set>
                                       <p:cBhvr>
                                         <p:cTn id="33" dur="1" fill="hold">
+                                          <p:stCondLst>
+                                            <p:cond delay="0"/>
+                                          </p:stCondLst>
+                                        </p:cTn>
+                                        <p:tgtEl>
+                                          <p:spTgt spid="3">
+                                            <p:txEl>
+                                              <p:pRg st="3" end="3"/>
+                                            </p:txEl>
+                                          </p:spTgt>
+                                        </p:tgtEl>
+                                        <p:attrNameLst>
+                                          <p:attrName>style.visibility</p:attrName>
+                                        </p:attrNameLst>
+                                      </p:cBhvr>
+                                      <p:to>
+                                        <p:strVal val="visible"/>
+                                      </p:to>
+                                    </p:set>
+                                    <p:anim calcmode="lin" valueType="num">
+                                      <p:cBhvr>
+                                        <p:cTn id="34" dur="500" fill="hold"/>
+                                        <p:tgtEl>
+                                          <p:spTgt spid="3">
+                                            <p:txEl>
+                                              <p:pRg st="3" end="3"/>
+                                            </p:txEl>
+                                          </p:spTgt>
+                                        </p:tgtEl>
+                                        <p:attrNameLst>
+                                          <p:attrName>ppt_w</p:attrName>
+                                        </p:attrNameLst>
+                                      </p:cBhvr>
+                                      <p:tavLst>
+                                        <p:tav tm="0">
+                                          <p:val>
+                                            <p:strVal val="#ppt_w*0.05"/>
+                                          </p:val>
+                                        </p:tav>
+                                        <p:tav tm="100000">
+                                          <p:val>
+                                            <p:strVal val="#ppt_w"/>
+                                          </p:val>
+                                        </p:tav>
+                                      </p:tavLst>
+                                    </p:anim>
+                                    <p:anim calcmode="lin" valueType="num">
+                                      <p:cBhvr>
+                                        <p:cTn id="35" dur="500" fill="hold"/>
+                                        <p:tgtEl>
+                                          <p:spTgt spid="3">
+                                            <p:txEl>
+                                              <p:pRg st="3" end="3"/>
+                                            </p:txEl>
+                                          </p:spTgt>
+                                        </p:tgtEl>
+                                        <p:attrNameLst>
+                                          <p:attrName>ppt_h</p:attrName>
+                                        </p:attrNameLst>
+                                      </p:cBhvr>
+                                      <p:tavLst>
+                                        <p:tav tm="0">
+                                          <p:val>
+                                            <p:strVal val="#ppt_h"/>
+                                          </p:val>
+                                        </p:tav>
+                                        <p:tav tm="100000">
+                                          <p:val>
+                                            <p:strVal val="#ppt_h"/>
+                                          </p:val>
+                                        </p:tav>
+                                      </p:tavLst>
+                                    </p:anim>
+                                    <p:anim calcmode="lin" valueType="num">
+                                      <p:cBhvr>
+                                        <p:cTn id="36" dur="500" fill="hold"/>
+                                        <p:tgtEl>
+                                          <p:spTgt spid="3">
+                                            <p:txEl>
+                                              <p:pRg st="3" end="3"/>
+                                            </p:txEl>
+                                          </p:spTgt>
+                                        </p:tgtEl>
+                                        <p:attrNameLst>
+                                          <p:attrName>ppt_x</p:attrName>
+                                        </p:attrNameLst>
+                                      </p:cBhvr>
+                                      <p:tavLst>
+                                        <p:tav tm="0">
+                                          <p:val>
+                                            <p:strVal val="#ppt_x-.2"/>
+                                          </p:val>
+                                        </p:tav>
+                                        <p:tav tm="100000">
+                                          <p:val>
+                                            <p:strVal val="#ppt_x"/>
+                                          </p:val>
+                                        </p:tav>
+                                      </p:tavLst>
+                                    </p:anim>
+                                    <p:anim calcmode="lin" valueType="num">
+                                      <p:cBhvr>
+                                        <p:cTn id="37" dur="500" fill="hold"/>
+                                        <p:tgtEl>
+                                          <p:spTgt spid="3">
+                                            <p:txEl>
+                                              <p:pRg st="3" end="3"/>
+                                            </p:txEl>
+                                          </p:spTgt>
+                                        </p:tgtEl>
+                                        <p:attrNameLst>
+                                          <p:attrName>ppt_y</p:attrName>
+                                        </p:attrNameLst>
+                                      </p:cBhvr>
+                                      <p:tavLst>
+                                        <p:tav tm="0">
+                                          <p:val>
+                                            <p:strVal val="#ppt_y"/>
+                                          </p:val>
+                                        </p:tav>
+                                        <p:tav tm="100000">
+                                          <p:val>
+                                            <p:strVal val="#ppt_y"/>
+                                          </p:val>
+                                        </p:tav>
+                                      </p:tavLst>
+                                    </p:anim>
+                                    <p:animEffect transition="in" filter="fade">
+                                      <p:cBhvr>
+                                        <p:cTn id="38" dur="500"/>
+                                        <p:tgtEl>
+                                          <p:spTgt spid="3">
+                                            <p:txEl>
+                                              <p:pRg st="3" end="3"/>
+                                            </p:txEl>
+                                          </p:spTgt>
+                                        </p:tgtEl>
+                                      </p:cBhvr>
+                                    </p:animEffect>
+                                  </p:childTnLst>
+                                </p:cTn>
+                              </p:par>
+                            </p:childTnLst>
+                          </p:cTn>
+                        </p:par>
+                      </p:childTnLst>
+                    </p:cTn>
+                  </p:par>
+                  <p:par>
+                    <p:cTn id="39" fill="hold">
+                      <p:stCondLst>
+                        <p:cond delay="indefinite"/>
+                      </p:stCondLst>
+                      <p:childTnLst>
+                        <p:par>
+                          <p:cTn id="40" fill="hold">
+                            <p:stCondLst>
+                              <p:cond delay="0"/>
+                            </p:stCondLst>
+                            <p:childTnLst>
+                              <p:par>
+                                <p:cTn id="41" presetID="55" presetClass="entr" presetSubtype="0" fill="hold" nodeType="clickEffect">
+                                  <p:stCondLst>
+                                    <p:cond delay="0"/>
+                                  </p:stCondLst>
+                                  <p:childTnLst>
+                                    <p:set>
+                                      <p:cBhvr>
+                                        <p:cTn id="42" dur="1" fill="hold">
                                           <p:stCondLst>
                                             <p:cond delay="0"/>
                                           </p:stCondLst>
@@ -5832,7 +6117,7 @@
                                     </p:set>
                                     <p:anim calcmode="lin" valueType="num">
                                       <p:cBhvr>
-                                        <p:cTn id="34" dur="1000" fill="hold"/>
+                                        <p:cTn id="43" dur="1000" fill="hold"/>
                                         <p:tgtEl>
                                           <p:spTgt spid="3075"/>
                                         </p:tgtEl>
@@ -5855,7 +6140,7 @@
                                     </p:anim>
                                     <p:anim calcmode="lin" valueType="num">
                                       <p:cBhvr>
-                                        <p:cTn id="35" dur="1000" fill="hold"/>
+                                        <p:cTn id="44" dur="1000" fill="hold"/>
                                         <p:tgtEl>
                                           <p:spTgt spid="3075"/>
                                         </p:tgtEl>
@@ -5878,7 +6163,7 @@
                                     </p:anim>
                                     <p:animEffect transition="in" filter="fade">
                                       <p:cBhvr>
-                                        <p:cTn id="36" dur="1000"/>
+                                        <p:cTn id="45" dur="1000"/>
                                         <p:tgtEl>
                                           <p:spTgt spid="3075"/>
                                         </p:tgtEl>
@@ -5918,6 +6203,95 @@
       <p:bldP spid="3" grpId="0" build="p"/>
     </p:bldLst>
   </p:timing>
+</p:sld>
+</file>
+
+<file path=ppt/slides/slide5.xml><?xml version="1.0" encoding="utf-8"?>
+<p:sld xmlns:a="http://schemas.openxmlformats.org/drawingml/2006/main" xmlns:r="http://schemas.openxmlformats.org/officeDocument/2006/relationships" xmlns:p="http://schemas.openxmlformats.org/presentationml/2006/main">
+  <p:cSld>
+    <p:spTree>
+      <p:nvGrpSpPr>
+        <p:cNvPr id="1" name=""/>
+        <p:cNvGrpSpPr/>
+        <p:nvPr/>
+      </p:nvGrpSpPr>
+      <p:grpSpPr>
+        <a:xfrm>
+          <a:off x="0" y="0"/>
+          <a:ext cx="0" cy="0"/>
+          <a:chOff x="0" y="0"/>
+          <a:chExt cx="0" cy="0"/>
+        </a:xfrm>
+      </p:grpSpPr>
+      <p:sp>
+        <p:nvSpPr>
+          <p:cNvPr id="2" name="Title 1"/>
+          <p:cNvSpPr>
+            <a:spLocks noGrp="1"/>
+          </p:cNvSpPr>
+          <p:nvPr>
+            <p:ph type="title"/>
+          </p:nvPr>
+        </p:nvSpPr>
+        <p:spPr/>
+        <p:txBody>
+          <a:bodyPr/>
+          <a:lstStyle/>
+          <a:p>
+            <a:r>
+              <a:rPr lang="en-US" dirty="0" smtClean="0"/>
+              <a:t>SIDE QUESTS</a:t>
+            </a:r>
+            <a:endParaRPr lang="en-US" dirty="0"/>
+          </a:p>
+        </p:txBody>
+      </p:sp>
+      <p:sp>
+        <p:nvSpPr>
+          <p:cNvPr id="3" name="Content Placeholder 2"/>
+          <p:cNvSpPr>
+            <a:spLocks noGrp="1"/>
+          </p:cNvSpPr>
+          <p:nvPr>
+            <p:ph idx="1"/>
+          </p:nvPr>
+        </p:nvSpPr>
+        <p:spPr/>
+        <p:txBody>
+          <a:bodyPr/>
+          <a:lstStyle/>
+          <a:p>
+            <a:r>
+              <a:rPr lang="en-US" dirty="0" smtClean="0"/>
+              <a:t>Create GitHub </a:t>
+            </a:r>
+            <a:r>
+              <a:rPr lang="en-US" dirty="0" smtClean="0"/>
+              <a:t>repository</a:t>
+            </a:r>
+          </a:p>
+          <a:p>
+            <a:r>
+              <a:rPr lang="en-US" dirty="0" smtClean="0"/>
+              <a:t>Write readme using markdown</a:t>
+            </a:r>
+          </a:p>
+          <a:p>
+            <a:r>
+              <a:rPr lang="en-US" dirty="0" smtClean="0"/>
+              <a:t>Learned about task manager</a:t>
+            </a:r>
+          </a:p>
+          <a:p>
+            <a:endParaRPr lang="en-US" dirty="0"/>
+          </a:p>
+        </p:txBody>
+      </p:sp>
+    </p:spTree>
+  </p:cSld>
+  <p:clrMapOvr>
+    <a:masterClrMapping/>
+  </p:clrMapOvr>
 </p:sld>
 </file>
 

--- a/NuSpace Internship 2022.pptx
+++ b/NuSpace Internship 2022.pptx
@@ -3675,10 +3675,6 @@
               <a:rPr lang="en-US" dirty="0" smtClean="0"/>
               <a:t> Internship </a:t>
             </a:r>
-            <a:r>
-              <a:rPr lang="en-US" dirty="0" smtClean="0"/>
-              <a:t/>
-            </a:r>
             <a:br>
               <a:rPr lang="en-US" dirty="0" smtClean="0"/>
             </a:br>
@@ -3687,12 +3683,12 @@
               <a:t>(Feb – </a:t>
             </a:r>
             <a:r>
-              <a:rPr lang="en-US" dirty="0" err="1" smtClean="0"/>
-              <a:t>june</a:t>
-            </a:r>
-            <a:r>
               <a:rPr lang="en-US" dirty="0" smtClean="0"/>
-              <a:t> 2022)</a:t>
+              <a:t>June </a:t>
+            </a:r>
+            <a:r>
+              <a:rPr lang="en-US" dirty="0" smtClean="0"/>
+              <a:t>2022)</a:t>
             </a:r>
             <a:endParaRPr lang="en-US" dirty="0"/>
           </a:p>
@@ -3726,23 +3722,7 @@
                   <a:schemeClr val="tx1"/>
                 </a:solidFill>
               </a:rPr>
-              <a:t>What </a:t>
-            </a:r>
-            <a:r>
-              <a:rPr lang="en-US" sz="8800" dirty="0" smtClean="0">
-                <a:solidFill>
-                  <a:schemeClr val="tx1"/>
-                </a:solidFill>
-              </a:rPr>
-              <a:t>did </a:t>
-            </a:r>
-            <a:r>
-              <a:rPr lang="en-US" sz="8800" dirty="0" smtClean="0">
-                <a:solidFill>
-                  <a:schemeClr val="tx1"/>
-                </a:solidFill>
-              </a:rPr>
-              <a:t>I do?</a:t>
+              <a:t>What did I do?</a:t>
             </a:r>
             <a:endParaRPr lang="en-US" sz="8800" dirty="0">
               <a:solidFill>
@@ -4822,27 +4802,7 @@
             </a:r>
             <a:r>
               <a:rPr lang="en-US" dirty="0" smtClean="0"/>
-              <a:t> and </a:t>
-            </a:r>
-            <a:r>
-              <a:rPr lang="en-US" dirty="0" smtClean="0"/>
-              <a:t>d</a:t>
-            </a:r>
-            <a:r>
-              <a:rPr lang="en-US" dirty="0" smtClean="0"/>
-              <a:t>esigned </a:t>
-            </a:r>
-            <a:r>
-              <a:rPr lang="en-US" dirty="0" smtClean="0"/>
-              <a:t>a </a:t>
-            </a:r>
-            <a:r>
-              <a:rPr lang="en-US" dirty="0" smtClean="0"/>
-              <a:t>PCB to stack ADCs</a:t>
-            </a:r>
-            <a:r>
-              <a:rPr lang="en-US" dirty="0" smtClean="0"/>
-              <a:t>, relays and </a:t>
+              <a:t> and designed a PCB to stack ADCs, relays and </a:t>
             </a:r>
             <a:r>
               <a:rPr lang="en-US" dirty="0" err="1" smtClean="0"/>
@@ -4850,45 +4810,19 @@
             </a:r>
             <a:r>
               <a:rPr lang="en-US" dirty="0" smtClean="0"/>
-              <a:t> </a:t>
-            </a:r>
+              <a:t> Mega.</a:t>
+            </a:r>
+          </a:p>
+          <a:p>
             <a:r>
               <a:rPr lang="en-US" dirty="0" smtClean="0"/>
-              <a:t>Mega.</a:t>
-            </a:r>
-            <a:endParaRPr lang="en-US" dirty="0" smtClean="0"/>
+              <a:t>Picked up soldering to make wires and solder pins on PCB.</a:t>
+            </a:r>
           </a:p>
           <a:p>
             <a:r>
               <a:rPr lang="en-US" dirty="0" smtClean="0"/>
-              <a:t>Picked up </a:t>
-            </a:r>
-            <a:r>
-              <a:rPr lang="en-US" dirty="0" smtClean="0"/>
-              <a:t>soldering to make wires and solder pins on PCB.</a:t>
-            </a:r>
-            <a:endParaRPr lang="en-US" dirty="0" smtClean="0"/>
-          </a:p>
-          <a:p>
-            <a:r>
-              <a:rPr lang="en-US" dirty="0" smtClean="0"/>
-              <a:t>Learned SOLIDWORKS </a:t>
-            </a:r>
-            <a:r>
-              <a:rPr lang="en-US" dirty="0" smtClean="0"/>
-              <a:t>and designed </a:t>
-            </a:r>
-            <a:r>
-              <a:rPr lang="en-US" dirty="0" smtClean="0"/>
-              <a:t>a PCB enclosure </a:t>
-            </a:r>
-            <a:r>
-              <a:rPr lang="en-US" dirty="0" smtClean="0"/>
-              <a:t>which </a:t>
-            </a:r>
-            <a:r>
-              <a:rPr lang="en-US" dirty="0" smtClean="0"/>
-              <a:t>was then 3D printed.</a:t>
+              <a:t>Learned SOLIDWORKS and designed a PCB enclosure which was then 3D printed.</a:t>
             </a:r>
           </a:p>
         </p:txBody>
@@ -5330,33 +5264,15 @@
             <a:pPr fontAlgn="base"/>
             <a:r>
               <a:rPr lang="en-US" dirty="0" smtClean="0"/>
-              <a:t>Taught a group of 20 </a:t>
-            </a:r>
+              <a:t>Taught a group of 20 CJC students about the basics of Python programming</a:t>
+            </a:r>
+          </a:p>
+          <a:p>
+            <a:pPr fontAlgn="base"/>
             <a:r>
               <a:rPr lang="en-US" dirty="0" smtClean="0"/>
-              <a:t>CJC students about </a:t>
-            </a:r>
-            <a:r>
-              <a:rPr lang="en-US" dirty="0" smtClean="0"/>
-              <a:t>the basics of Python </a:t>
-            </a:r>
-            <a:r>
-              <a:rPr lang="en-US" dirty="0" smtClean="0"/>
-              <a:t>programming</a:t>
-            </a:r>
-            <a:endParaRPr lang="en-US" dirty="0" smtClean="0"/>
-          </a:p>
-          <a:p>
-            <a:pPr fontAlgn="base"/>
-            <a:r>
-              <a:rPr lang="en-US" dirty="0" smtClean="0"/>
-              <a:t>Participated in the assembly of </a:t>
-            </a:r>
-            <a:r>
-              <a:rPr lang="en-US" dirty="0" smtClean="0"/>
-              <a:t>the clean room</a:t>
-            </a:r>
-            <a:endParaRPr lang="en-US" dirty="0" smtClean="0"/>
+              <a:t>Participated in the assembly of the clean room</a:t>
+            </a:r>
           </a:p>
           <a:p>
             <a:pPr fontAlgn="base"/>
@@ -5370,11 +5286,7 @@
             </a:r>
             <a:r>
               <a:rPr lang="en-US" dirty="0" smtClean="0"/>
-              <a:t>-satellite by stripping and crimping </a:t>
-            </a:r>
-            <a:r>
-              <a:rPr lang="en-US" dirty="0" smtClean="0"/>
-              <a:t>wires</a:t>
+              <a:t>-satellite by stripping and crimping wires</a:t>
             </a:r>
           </a:p>
           <a:p>
@@ -5383,7 +5295,6 @@
               <a:rPr lang="en-US" dirty="0" smtClean="0"/>
               <a:t>Learned how to use a logic analyzer</a:t>
             </a:r>
-            <a:endParaRPr lang="en-US" dirty="0" smtClean="0"/>
           </a:p>
           <a:p>
             <a:endParaRPr lang="en-US" dirty="0"/>
@@ -6263,11 +6174,7 @@
           <a:p>
             <a:r>
               <a:rPr lang="en-US" dirty="0" smtClean="0"/>
-              <a:t>Create GitHub </a:t>
-            </a:r>
-            <a:r>
-              <a:rPr lang="en-US" dirty="0" smtClean="0"/>
-              <a:t>repository</a:t>
+              <a:t>Create GitHub repository</a:t>
             </a:r>
           </a:p>
           <a:p>
